--- a/slide_decks/02_collections_in_python.pptx
+++ b/slide_decks/02_collections_in_python.pptx
@@ -225,7 +225,8 @@
           <a:p>
             <a:fld id="{76125149-C7AC-4FFD-8999-3935031CFFAE}" type="datetimeFigureOut">
               <a:rPr lang="en-US" smtClean="0"/>
-              <a:t>5/6/2020</a:t>
+              <a:pPr/>
+              <a:t>5/7/2020</a:t>
             </a:fld>
             <a:endParaRPr lang="en-US"/>
           </a:p>
@@ -386,6 +387,7 @@
           <a:p>
             <a:fld id="{66269130-69C2-4A9B-9139-F2B7D794B215}" type="slidenum">
               <a:rPr lang="en-US" smtClean="0"/>
+              <a:pPr/>
               <a:t>‹#›</a:t>
             </a:fld>
             <a:endParaRPr lang="en-US"/>
@@ -557,6 +559,7 @@
           <a:p>
             <a:fld id="{66269130-69C2-4A9B-9139-F2B7D794B215}" type="slidenum">
               <a:rPr lang="en-US" smtClean="0"/>
+              <a:pPr/>
               <a:t>22</a:t>
             </a:fld>
             <a:endParaRPr lang="en-US"/>
@@ -753,7 +756,7 @@
             <a:fld id="{3221347D-7442-4746-AF60-82D9F72AADC6}" type="datetimeFigureOut">
               <a:rPr lang="en-US" smtClean="0"/>
               <a:pPr/>
-              <a:t>5/6/2020</a:t>
+              <a:t>5/7/2020</a:t>
             </a:fld>
             <a:endParaRPr lang="en-US"/>
           </a:p>
@@ -920,7 +923,7 @@
             <a:fld id="{3221347D-7442-4746-AF60-82D9F72AADC6}" type="datetimeFigureOut">
               <a:rPr lang="en-US" smtClean="0"/>
               <a:pPr/>
-              <a:t>5/6/2020</a:t>
+              <a:t>5/7/2020</a:t>
             </a:fld>
             <a:endParaRPr lang="en-US"/>
           </a:p>
@@ -1097,7 +1100,7 @@
             <a:fld id="{3221347D-7442-4746-AF60-82D9F72AADC6}" type="datetimeFigureOut">
               <a:rPr lang="en-US" smtClean="0"/>
               <a:pPr/>
-              <a:t>5/6/2020</a:t>
+              <a:t>5/7/2020</a:t>
             </a:fld>
             <a:endParaRPr lang="en-US"/>
           </a:p>
@@ -1264,7 +1267,7 @@
             <a:fld id="{3221347D-7442-4746-AF60-82D9F72AADC6}" type="datetimeFigureOut">
               <a:rPr lang="en-US" smtClean="0"/>
               <a:pPr/>
-              <a:t>5/6/2020</a:t>
+              <a:t>5/7/2020</a:t>
             </a:fld>
             <a:endParaRPr lang="en-US"/>
           </a:p>
@@ -1507,7 +1510,7 @@
             <a:fld id="{3221347D-7442-4746-AF60-82D9F72AADC6}" type="datetimeFigureOut">
               <a:rPr lang="en-US" smtClean="0"/>
               <a:pPr/>
-              <a:t>5/6/2020</a:t>
+              <a:t>5/7/2020</a:t>
             </a:fld>
             <a:endParaRPr lang="en-US"/>
           </a:p>
@@ -1792,7 +1795,7 @@
             <a:fld id="{3221347D-7442-4746-AF60-82D9F72AADC6}" type="datetimeFigureOut">
               <a:rPr lang="en-US" smtClean="0"/>
               <a:pPr/>
-              <a:t>5/6/2020</a:t>
+              <a:t>5/7/2020</a:t>
             </a:fld>
             <a:endParaRPr lang="en-US"/>
           </a:p>
@@ -2211,7 +2214,7 @@
             <a:fld id="{3221347D-7442-4746-AF60-82D9F72AADC6}" type="datetimeFigureOut">
               <a:rPr lang="en-US" smtClean="0"/>
               <a:pPr/>
-              <a:t>5/6/2020</a:t>
+              <a:t>5/7/2020</a:t>
             </a:fld>
             <a:endParaRPr lang="en-US"/>
           </a:p>
@@ -2326,7 +2329,7 @@
             <a:fld id="{3221347D-7442-4746-AF60-82D9F72AADC6}" type="datetimeFigureOut">
               <a:rPr lang="en-US" smtClean="0"/>
               <a:pPr/>
-              <a:t>5/6/2020</a:t>
+              <a:t>5/7/2020</a:t>
             </a:fld>
             <a:endParaRPr lang="en-US"/>
           </a:p>
@@ -2418,7 +2421,7 @@
             <a:fld id="{3221347D-7442-4746-AF60-82D9F72AADC6}" type="datetimeFigureOut">
               <a:rPr lang="en-US" smtClean="0"/>
               <a:pPr/>
-              <a:t>5/6/2020</a:t>
+              <a:t>5/7/2020</a:t>
             </a:fld>
             <a:endParaRPr lang="en-US"/>
           </a:p>
@@ -2692,7 +2695,7 @@
             <a:fld id="{3221347D-7442-4746-AF60-82D9F72AADC6}" type="datetimeFigureOut">
               <a:rPr lang="en-US" smtClean="0"/>
               <a:pPr/>
-              <a:t>5/6/2020</a:t>
+              <a:t>5/7/2020</a:t>
             </a:fld>
             <a:endParaRPr lang="en-US"/>
           </a:p>
@@ -2942,7 +2945,7 @@
             <a:fld id="{3221347D-7442-4746-AF60-82D9F72AADC6}" type="datetimeFigureOut">
               <a:rPr lang="en-US" smtClean="0"/>
               <a:pPr/>
-              <a:t>5/6/2020</a:t>
+              <a:t>5/7/2020</a:t>
             </a:fld>
             <a:endParaRPr lang="en-US"/>
           </a:p>
@@ -3152,7 +3155,7 @@
             <a:fld id="{3221347D-7442-4746-AF60-82D9F72AADC6}" type="datetimeFigureOut">
               <a:rPr lang="en-US" smtClean="0"/>
               <a:pPr/>
-              <a:t>5/6/2020</a:t>
+              <a:t>5/7/2020</a:t>
             </a:fld>
             <a:endParaRPr lang="en-US"/>
           </a:p>
@@ -5229,36 +5232,18 @@
               <a:rPr lang="en-US" sz="1200" dirty="0" smtClean="0">
                 <a:latin typeface="Consolas" pitchFamily="49" charset="0"/>
               </a:rPr>
-              <a:t> </a:t>
-            </a:r>
+              <a:t>        print(item)</a:t>
+            </a:r>
+          </a:p>
+          <a:p>
+            <a:pPr>
+              <a:buNone/>
+            </a:pPr>
             <a:r>
               <a:rPr lang="en-US" sz="1200" dirty="0" smtClean="0">
                 <a:latin typeface="Consolas" pitchFamily="49" charset="0"/>
               </a:rPr>
-              <a:t>       </a:t>
-            </a:r>
-            <a:r>
-              <a:rPr lang="en-US" sz="1200" dirty="0" smtClean="0">
-                <a:latin typeface="Consolas" pitchFamily="49" charset="0"/>
-              </a:rPr>
-              <a:t>print(item)</a:t>
-            </a:r>
-          </a:p>
-          <a:p>
-            <a:pPr>
-              <a:buNone/>
-            </a:pPr>
-            <a:r>
-              <a:rPr lang="en-US" sz="1200" dirty="0" smtClean="0">
-                <a:latin typeface="Consolas" pitchFamily="49" charset="0"/>
-              </a:rPr>
-              <a:t>&gt;&gt;&gt; </a:t>
-            </a:r>
-            <a:r>
-              <a:rPr lang="en-US" sz="1200" dirty="0" smtClean="0">
-                <a:latin typeface="Consolas" pitchFamily="49" charset="0"/>
-              </a:rPr>
-              <a:t>print(d.pop())</a:t>
+              <a:t>&gt;&gt;&gt; print(d.pop())</a:t>
             </a:r>
           </a:p>
           <a:p>
@@ -5539,11 +5524,7 @@
           <a:p>
             <a:r>
               <a:rPr lang="en-US" dirty="0" smtClean="0"/>
-              <a:t>All of the typical dictionary methods are </a:t>
-            </a:r>
-            <a:r>
-              <a:rPr lang="en-US" dirty="0" smtClean="0"/>
-              <a:t>supported</a:t>
+              <a:t>All of the typical dictionary methods are supported</a:t>
             </a:r>
           </a:p>
           <a:p>
@@ -5870,7 +5851,6 @@
               <a:rPr lang="en-US" dirty="0" smtClean="0"/>
               <a:t>. </a:t>
             </a:r>
-            <a:endParaRPr lang="en-US" dirty="0" smtClean="0"/>
           </a:p>
           <a:p>
             <a:r>
@@ -6017,25 +5997,8 @@
             </a:r>
             <a:r>
               <a:rPr lang="en-US" dirty="0" smtClean="0"/>
-              <a:t> it inherits all of the functionality</a:t>
-            </a:r>
-            <a:r>
-              <a:rPr lang="en-US" dirty="0" smtClean="0"/>
-              <a:t>. </a:t>
-            </a:r>
-            <a:r>
-              <a:rPr lang="en-US" dirty="0" smtClean="0"/>
-              <a:t>It uses named </a:t>
-            </a:r>
-            <a:r>
-              <a:rPr lang="en-US" dirty="0" smtClean="0"/>
-              <a:t>fields </a:t>
-            </a:r>
-            <a:r>
-              <a:rPr lang="en-US" dirty="0" smtClean="0"/>
-              <a:t>instead of indexes. </a:t>
-            </a:r>
-            <a:endParaRPr lang="en-US" dirty="0" smtClean="0"/>
+              <a:t> it inherits all of the functionality. It uses named fields instead of indexes. </a:t>
+            </a:r>
           </a:p>
           <a:p>
             <a:r>
@@ -6056,11 +6019,7 @@
             </a:r>
             <a:r>
               <a:rPr lang="en-US" dirty="0" smtClean="0"/>
-              <a:t> </a:t>
-            </a:r>
-            <a:r>
-              <a:rPr lang="en-US" dirty="0" smtClean="0"/>
-              <a:t>since there’s no performance improvements or lost using a </a:t>
+              <a:t> since there’s no performance improvements or lost using a </a:t>
             </a:r>
             <a:r>
               <a:rPr lang="en-US" dirty="0" err="1" smtClean="0"/>
@@ -6995,11 +6954,7 @@
           <a:p>
             <a:r>
               <a:rPr lang="en-US" dirty="0" err="1" smtClean="0"/>
-              <a:t>d</a:t>
-            </a:r>
-            <a:r>
-              <a:rPr lang="en-US" dirty="0" err="1" smtClean="0"/>
-              <a:t>efaultdict</a:t>
+              <a:t>defaultdict</a:t>
             </a:r>
             <a:r>
               <a:rPr lang="en-US" dirty="0" smtClean="0"/>
@@ -7224,11 +7179,7 @@
           <a:p>
             <a:r>
               <a:rPr lang="en-US" dirty="0" err="1" smtClean="0"/>
-              <a:t>d</a:t>
-            </a:r>
-            <a:r>
-              <a:rPr lang="en-US" dirty="0" err="1" smtClean="0"/>
-              <a:t>efaultdict</a:t>
+              <a:t>defaultdict</a:t>
             </a:r>
             <a:r>
               <a:rPr lang="en-US" dirty="0" smtClean="0"/>
@@ -7874,11 +7825,7 @@
           <a:p>
             <a:r>
               <a:rPr lang="en-US" dirty="0" smtClean="0"/>
-              <a:t>It need </a:t>
-            </a:r>
-            <a:r>
-              <a:rPr lang="en-US" dirty="0" smtClean="0"/>
-              <a:t>too has been replaced due to the ability to subclass Strings directly </a:t>
+              <a:t>It need too has been replaced due to the ability to subclass Strings directly </a:t>
             </a:r>
             <a:endParaRPr lang="en-US" dirty="0"/>
           </a:p>
@@ -7975,7 +7922,6 @@
               <a:rPr lang="en-US" i="1" dirty="0" smtClean="0"/>
               <a:t>Added in python 3.4</a:t>
             </a:r>
-            <a:endParaRPr lang="en-US" i="1" dirty="0" smtClean="0"/>
           </a:p>
         </p:txBody>
       </p:sp>
@@ -8078,14 +8024,7 @@
                 <a:latin typeface="Consolas" pitchFamily="49" charset="0"/>
                 <a:hlinkClick r:id="rId2"/>
               </a:rPr>
-              <a:t>https://</a:t>
-            </a:r>
-            <a:r>
-              <a:rPr lang="en-US" sz="2700" dirty="0" smtClean="0">
-                <a:latin typeface="Consolas" pitchFamily="49" charset="0"/>
-                <a:hlinkClick r:id="rId2"/>
-              </a:rPr>
-              <a:t>www.python.org/dev/peps/pep-0435</a:t>
+              <a:t>https://www.python.org/dev/peps/pep-0435</a:t>
             </a:r>
             <a:endParaRPr lang="en-US" sz="2700" dirty="0" smtClean="0">
               <a:latin typeface="Consolas" pitchFamily="49" charset="0"/>
@@ -8098,11 +8037,7 @@
             </a:r>
             <a:r>
               <a:rPr lang="en-US" sz="2400" dirty="0" smtClean="0"/>
-              <a:t>The properties of an enumeration are useful for defining an immutable, related set of constant values that may or may not have a semantic meaning.</a:t>
-            </a:r>
-            <a:r>
-              <a:rPr lang="en-US" sz="2400" dirty="0" smtClean="0"/>
-              <a:t>”</a:t>
+              <a:t>The properties of an enumeration are useful for defining an immutable, related set of constant values that may or may not have a semantic meaning.”</a:t>
             </a:r>
             <a:endParaRPr lang="en-US" sz="2400" dirty="0"/>
           </a:p>
@@ -8329,13 +8264,7 @@
               <a:rPr lang="en-US" sz="1200" dirty="0" smtClean="0">
                 <a:latin typeface="Consolas" pitchFamily="49" charset="0"/>
               </a:rPr>
-              <a:t>...     Sunday = </a:t>
-            </a:r>
-            <a:r>
-              <a:rPr lang="en-US" sz="1200" dirty="0" smtClean="0">
-                <a:latin typeface="Consolas" pitchFamily="49" charset="0"/>
-              </a:rPr>
-              <a:t>7</a:t>
+              <a:t>...     Sunday = 7</a:t>
             </a:r>
           </a:p>
           <a:p>
@@ -8494,13 +8423,7 @@
               <a:rPr lang="en-US" sz="1200" dirty="0" smtClean="0">
                 <a:latin typeface="Consolas" pitchFamily="49" charset="0"/>
               </a:rPr>
-              <a:t>&gt;&gt;&gt; </a:t>
-            </a:r>
-            <a:r>
-              <a:rPr lang="en-US" sz="1200" dirty="0" smtClean="0">
-                <a:latin typeface="Consolas" pitchFamily="49" charset="0"/>
-              </a:rPr>
-              <a:t>type(</a:t>
+              <a:t>&gt;&gt;&gt; type(</a:t>
             </a:r>
             <a:r>
               <a:rPr lang="en-US" sz="1200" dirty="0" err="1" smtClean="0">
@@ -8783,9 +8706,18 @@
             </a:r>
             <a:r>
               <a:rPr lang="en-US" dirty="0" smtClean="0"/>
-              <a:t>:</a:t>
-            </a:r>
-            <a:endParaRPr lang="en-US" dirty="0"/>
+              <a:t>: </a:t>
+            </a:r>
+            <a:r>
+              <a:rPr lang="en-US" sz="2000" dirty="0" smtClean="0">
+                <a:latin typeface="Consolas" pitchFamily="49" charset="0"/>
+                <a:hlinkClick r:id="rId2"/>
+              </a:rPr>
+              <a:t>https://github.com/purcellconsult/python-mastery-crashcourse-one/tree/master/code/collections_tutorial</a:t>
+            </a:r>
+            <a:endParaRPr lang="en-US" sz="2000" dirty="0">
+              <a:latin typeface="Consolas" pitchFamily="49" charset="0"/>
+            </a:endParaRPr>
           </a:p>
         </p:txBody>
       </p:sp>
@@ -9146,7 +9078,7 @@
           <a:lstStyle/>
           <a:p>
             <a:r>
-              <a:rPr lang="en-US" b="1" dirty="0" smtClean="0"/>
+              <a:rPr lang="en-US" dirty="0" smtClean="0"/>
               <a:t>Let’s assume you have a dataset of names. How would you calculate the number of occurrence of each of the names?</a:t>
             </a:r>
           </a:p>

--- a/slide_decks/02_collections_in_python.pptx
+++ b/slide_decks/02_collections_in_python.pptx
@@ -4572,7 +4572,7 @@
         </p:spPr>
         <p:txBody>
           <a:bodyPr>
-            <a:normAutofit fontScale="70000" lnSpcReduction="20000"/>
+            <a:normAutofit fontScale="47500" lnSpcReduction="20000"/>
           </a:bodyPr>
           <a:lstStyle/>
           <a:p>
@@ -4737,8 +4737,89 @@
               <a:rPr lang="en-US" sz="3300" dirty="0" smtClean="0">
                 <a:latin typeface="Consolas" pitchFamily="49" charset="0"/>
               </a:rPr>
-              <a:t>(letters)-1:-1])</a:t>
-            </a:r>
+              <a:t>(letters)-1:-1</a:t>
+            </a:r>
+            <a:r>
+              <a:rPr lang="en-US" sz="3300" dirty="0" smtClean="0">
+                <a:latin typeface="Consolas" pitchFamily="49" charset="0"/>
+              </a:rPr>
+              <a:t>])</a:t>
+            </a:r>
+          </a:p>
+          <a:p>
+            <a:pPr>
+              <a:buNone/>
+            </a:pPr>
+            <a:r>
+              <a:rPr lang="en-US" sz="3300" dirty="0" smtClean="0">
+                <a:latin typeface="Consolas" pitchFamily="49" charset="0"/>
+              </a:rPr>
+              <a:t>…</a:t>
+            </a:r>
+          </a:p>
+          <a:p>
+            <a:pPr>
+              <a:buNone/>
+            </a:pPr>
+            <a:r>
+              <a:rPr lang="en-US" sz="3300" dirty="0" smtClean="0">
+                <a:latin typeface="Consolas" pitchFamily="49" charset="0"/>
+              </a:rPr>
+              <a:t>34</a:t>
+            </a:r>
+          </a:p>
+          <a:p>
+            <a:pPr>
+              <a:buNone/>
+            </a:pPr>
+            <a:r>
+              <a:rPr lang="en-US" sz="3300" dirty="0" smtClean="0">
+                <a:latin typeface="Consolas" pitchFamily="49" charset="0"/>
+              </a:rPr>
+              <a:t>['a', 'b', 's', 'h', 'g', 'H', 'J', 'S', 'c', 'z', 'm', ',', 'k', 'u', 'w', 'y', 'e']</a:t>
+            </a:r>
+          </a:p>
+          <a:p>
+            <a:pPr>
+              <a:buNone/>
+            </a:pPr>
+            <a:r>
+              <a:rPr lang="en-US" sz="3300" dirty="0" smtClean="0">
+                <a:latin typeface="Consolas" pitchFamily="49" charset="0"/>
+              </a:rPr>
+              <a:t>{'a': 3, 'b': 2, 's': 6, 'h': 3, 'g': 2, 'H': 2, 'J': 4, 'S': 2, 'c': 1, 'z': 2, 'm': 1, ',': 1, 'k': 1, 'u': 1, 'w': 1, 'y': 1, 'e': 1}</a:t>
+            </a:r>
+          </a:p>
+          <a:p>
+            <a:pPr>
+              <a:buNone/>
+            </a:pPr>
+            <a:r>
+              <a:rPr lang="en-US" sz="3300" dirty="0" err="1" smtClean="0">
+                <a:latin typeface="Consolas" pitchFamily="49" charset="0"/>
+              </a:rPr>
+              <a:t>dict_items</a:t>
+            </a:r>
+            <a:r>
+              <a:rPr lang="en-US" sz="3300" dirty="0" smtClean="0">
+                <a:latin typeface="Consolas" pitchFamily="49" charset="0"/>
+              </a:rPr>
+              <a:t>([('a', 3), ('b', 2), ('s', 6), ('h', 3), ('g', 2), ('H', 2), ('J', 4), ('S', 2), ('c', 1), ('z', 2), ('m', 1), (',', 1), ('k', 1), ('u', 1), ('w', 1), ('y', 1), ('e', 1)])</a:t>
+            </a:r>
+          </a:p>
+          <a:p>
+            <a:pPr>
+              <a:buNone/>
+            </a:pPr>
+            <a:r>
+              <a:rPr lang="en-US" sz="3300" dirty="0" smtClean="0">
+                <a:latin typeface="Consolas" pitchFamily="49" charset="0"/>
+              </a:rPr>
+              <a:t>[('e', 1), ('y', 1), ('w', 1), ('u', 1), ('k', 1), (',', 1), ('m', 1), ('c', 1), ('z', 2), ('S', 2), ('H', 2</a:t>
+            </a:r>
+            <a:endParaRPr lang="en-US" sz="3300" dirty="0" smtClean="0">
+              <a:latin typeface="Consolas" pitchFamily="49" charset="0"/>
+            </a:endParaRPr>
           </a:p>
           <a:p>
             <a:pPr>
@@ -8702,11 +8783,7 @@
           <a:p>
             <a:r>
               <a:rPr lang="en-US" dirty="0" smtClean="0"/>
-              <a:t>Download here</a:t>
-            </a:r>
-            <a:r>
-              <a:rPr lang="en-US" dirty="0" smtClean="0"/>
-              <a:t>: </a:t>
+              <a:t>Download here: </a:t>
             </a:r>
             <a:r>
               <a:rPr lang="en-US" sz="2000" dirty="0" smtClean="0">
@@ -9375,11 +9452,15 @@
               <a:t> doesn’t have. Example, </a:t>
             </a:r>
             <a:r>
-              <a:rPr lang="en-US" dirty="0" err="1" smtClean="0"/>
+              <a:rPr lang="en-US" dirty="0" err="1" smtClean="0">
+                <a:latin typeface="Consolas" pitchFamily="49" charset="0"/>
+              </a:rPr>
               <a:t>most_common</a:t>
             </a:r>
             <a:r>
-              <a:rPr lang="en-US" dirty="0" smtClean="0"/>
+              <a:rPr lang="en-US" dirty="0" smtClean="0">
+                <a:latin typeface="Consolas" pitchFamily="49" charset="0"/>
+              </a:rPr>
               <a:t>(), subtract()</a:t>
             </a:r>
           </a:p>
